--- a/Teaching/Chemistry/Labs/FCC Chem 3A Expt 4b Rolling for Compound Initiative.pptx
+++ b/Teaching/Chemistry/Labs/FCC Chem 3A Expt 4b Rolling for Compound Initiative.pptx
@@ -12285,7 +12285,7 @@
             </a:r>
             <a:r>
               <a:rPr lang="en-US" sz="2400" dirty="0"/>
-              <a:t> (gallium), In</a:t>
+              <a:t> (gallium)*, In</a:t>
             </a:r>
             <a:r>
               <a:rPr lang="en-US" sz="2400" baseline="30000" dirty="0"/>
@@ -12293,7 +12293,7 @@
             </a:r>
             <a:r>
               <a:rPr lang="en-US" sz="2400" dirty="0"/>
-              <a:t> (indium)</a:t>
+              <a:t> (indium)**</a:t>
             </a:r>
           </a:p>
           <a:p>
@@ -12352,14 +12352,14 @@
               </a:spcBef>
             </a:pPr>
             <a:r>
-              <a:rPr lang="en-US" dirty="0"/>
+              <a:rPr lang="en-US" sz="2000" dirty="0"/>
               <a:t>With monatomic and </a:t>
             </a:r>
             <a:br>
-              <a:rPr lang="en-US" dirty="0"/>
+              <a:rPr lang="en-US" sz="2000" dirty="0"/>
             </a:br>
             <a:r>
-              <a:rPr lang="en-US" dirty="0"/>
+              <a:rPr lang="en-US" sz="2000" dirty="0"/>
               <a:t>polyatomic anions</a:t>
             </a:r>
           </a:p>
@@ -12442,14 +12442,60 @@
               </a:rPr>
               <a:t>-ate</a:t>
             </a:r>
-          </a:p>
-          <a:p>
-            <a:pPr lvl="1">
+            <a:endParaRPr lang="en-US" sz="2200" baseline="30000" dirty="0"/>
+          </a:p>
+          <a:p>
+            <a:pPr marL="0" indent="-4763">
               <a:spcBef>
                 <a:spcPts val="0"/>
               </a:spcBef>
+              <a:buNone/>
             </a:pPr>
-            <a:endParaRPr lang="en-US" sz="2400" baseline="30000" dirty="0"/>
+            <a:r>
+              <a:rPr lang="en-US" sz="1800" dirty="0"/>
+              <a:t>* Gallium is considered Type I despite having a rare Ga</a:t>
+            </a:r>
+            <a:r>
+              <a:rPr lang="en-US" sz="1800" baseline="30000" dirty="0"/>
+              <a:t>+</a:t>
+            </a:r>
+            <a:r>
+              <a:rPr lang="en-US" sz="1800" dirty="0"/>
+              <a:t> (1+) state</a:t>
+            </a:r>
+          </a:p>
+          <a:p>
+            <a:pPr marL="0" indent="-4763">
+              <a:spcBef>
+                <a:spcPts val="0"/>
+              </a:spcBef>
+              <a:buNone/>
+            </a:pPr>
+            <a:r>
+              <a:rPr lang="en-US" sz="1800" dirty="0"/>
+              <a:t>** Indium is considered Type II as it has a </a:t>
+            </a:r>
+            <a:r>
+              <a:rPr lang="en-US" sz="1800" dirty="0" err="1"/>
+              <a:t>bonafide</a:t>
+            </a:r>
+            <a:r>
+              <a:rPr lang="en-US" sz="1800"/>
+              <a:t> 1+ and 3+ </a:t>
+            </a:r>
+            <a:r>
+              <a:rPr lang="en-US" sz="1800" dirty="0"/>
+              <a:t>state</a:t>
+            </a:r>
+          </a:p>
+          <a:p>
+            <a:pPr marL="0" indent="-4763">
+              <a:spcBef>
+                <a:spcPts val="0"/>
+              </a:spcBef>
+              <a:buNone/>
+            </a:pPr>
+            <a:endParaRPr lang="en-US" sz="1800" dirty="0"/>
           </a:p>
         </p:txBody>
       </p:sp>
